--- a/3D Pacman - final presentation.pptx
+++ b/3D Pacman - final presentation.pptx
@@ -108,6 +108,11 @@
       </a:defRPr>
     </a:lvl9pPr>
   </p:defaultTextStyle>
+  <p:extLst>
+    <p:ext uri="{EFAFB233-063F-42B5-8137-9DF3F51BA10A}">
+      <p15:sldGuideLst xmlns:p15="http://schemas.microsoft.com/office/powerpoint/2012/main"/>
+    </p:ext>
+  </p:extLst>
 </p:presentation>
 </file>
 
@@ -880,6 +885,13 @@
         </dgm:presLayoutVars>
       </dgm:prSet>
       <dgm:spPr/>
+      <dgm:t>
+        <a:bodyPr/>
+        <a:lstStyle/>
+        <a:p>
+          <a:endParaRPr lang="en-US"/>
+        </a:p>
+      </dgm:t>
     </dgm:pt>
   </dgm:ptLst>
   <dgm:cxnLst>
@@ -2810,7 +2822,7 @@
           <a:p>
             <a:fld id="{48A87A34-81AB-432B-8DAE-1953F412C126}" type="datetimeFigureOut">
               <a:rPr lang="en-US" smtClean="0"/>
-              <a:t>19-Nov-13</a:t>
+              <a:t>29-Nov-13</a:t>
             </a:fld>
             <a:endParaRPr lang="en-US" dirty="0"/>
           </a:p>
@@ -3061,7 +3073,7 @@
           <a:p>
             <a:fld id="{48A87A34-81AB-432B-8DAE-1953F412C126}" type="datetimeFigureOut">
               <a:rPr lang="en-US" smtClean="0"/>
-              <a:t>19-Nov-13</a:t>
+              <a:t>29-Nov-13</a:t>
             </a:fld>
             <a:endParaRPr lang="en-US" dirty="0"/>
           </a:p>
@@ -3375,7 +3387,7 @@
           <a:p>
             <a:fld id="{48A87A34-81AB-432B-8DAE-1953F412C126}" type="datetimeFigureOut">
               <a:rPr lang="en-US" smtClean="0"/>
-              <a:t>19-Nov-13</a:t>
+              <a:t>29-Nov-13</a:t>
             </a:fld>
             <a:endParaRPr lang="en-US" dirty="0"/>
           </a:p>
@@ -3716,7 +3728,7 @@
           <a:p>
             <a:fld id="{48A87A34-81AB-432B-8DAE-1953F412C126}" type="datetimeFigureOut">
               <a:rPr lang="en-US" smtClean="0"/>
-              <a:t>19-Nov-13</a:t>
+              <a:t>29-Nov-13</a:t>
             </a:fld>
             <a:endParaRPr lang="en-US" dirty="0"/>
           </a:p>
@@ -4031,7 +4043,7 @@
             <a:fld id="{48A87A34-81AB-432B-8DAE-1953F412C126}" type="datetimeFigureOut">
               <a:rPr lang="en-US" smtClean="0"/>
               <a:pPr/>
-              <a:t>19-Nov-13</a:t>
+              <a:t>29-Nov-13</a:t>
             </a:fld>
             <a:endParaRPr lang="en-US" dirty="0"/>
           </a:p>
@@ -4426,7 +4438,7 @@
             <a:fld id="{48A87A34-81AB-432B-8DAE-1953F412C126}" type="datetimeFigureOut">
               <a:rPr lang="en-US" smtClean="0"/>
               <a:pPr/>
-              <a:t>19-Nov-13</a:t>
+              <a:t>29-Nov-13</a:t>
             </a:fld>
             <a:endParaRPr lang="en-US" dirty="0"/>
           </a:p>
@@ -4597,7 +4609,7 @@
           <a:p>
             <a:fld id="{48A87A34-81AB-432B-8DAE-1953F412C126}" type="datetimeFigureOut">
               <a:rPr lang="en-US" smtClean="0"/>
-              <a:t>19-Nov-13</a:t>
+              <a:t>29-Nov-13</a:t>
             </a:fld>
             <a:endParaRPr lang="en-US" dirty="0"/>
           </a:p>
@@ -4777,7 +4789,7 @@
           <a:p>
             <a:fld id="{48A87A34-81AB-432B-8DAE-1953F412C126}" type="datetimeFigureOut">
               <a:rPr lang="en-US" smtClean="0"/>
-              <a:t>19-Nov-13</a:t>
+              <a:t>29-Nov-13</a:t>
             </a:fld>
             <a:endParaRPr lang="en-US" dirty="0"/>
           </a:p>
@@ -4953,7 +4965,7 @@
           <a:p>
             <a:fld id="{48A87A34-81AB-432B-8DAE-1953F412C126}" type="datetimeFigureOut">
               <a:rPr lang="en-US" smtClean="0"/>
-              <a:t>19-Nov-13</a:t>
+              <a:t>29-Nov-13</a:t>
             </a:fld>
             <a:endParaRPr lang="en-US" dirty="0"/>
           </a:p>
@@ -5200,7 +5212,7 @@
           <a:p>
             <a:fld id="{48A87A34-81AB-432B-8DAE-1953F412C126}" type="datetimeFigureOut">
               <a:rPr lang="en-US" smtClean="0"/>
-              <a:t>19-Nov-13</a:t>
+              <a:t>29-Nov-13</a:t>
             </a:fld>
             <a:endParaRPr lang="en-US" dirty="0"/>
           </a:p>
@@ -5432,7 +5444,7 @@
           <a:p>
             <a:fld id="{48A87A34-81AB-432B-8DAE-1953F412C126}" type="datetimeFigureOut">
               <a:rPr lang="en-US" smtClean="0"/>
-              <a:t>19-Nov-13</a:t>
+              <a:t>29-Nov-13</a:t>
             </a:fld>
             <a:endParaRPr lang="en-US" dirty="0"/>
           </a:p>
@@ -5806,7 +5818,7 @@
           <a:p>
             <a:fld id="{48A87A34-81AB-432B-8DAE-1953F412C126}" type="datetimeFigureOut">
               <a:rPr lang="en-US" smtClean="0"/>
-              <a:t>19-Nov-13</a:t>
+              <a:t>29-Nov-13</a:t>
             </a:fld>
             <a:endParaRPr lang="en-US" dirty="0"/>
           </a:p>
@@ -5929,7 +5941,7 @@
           <a:p>
             <a:fld id="{48A87A34-81AB-432B-8DAE-1953F412C126}" type="datetimeFigureOut">
               <a:rPr lang="en-US" smtClean="0"/>
-              <a:t>19-Nov-13</a:t>
+              <a:t>29-Nov-13</a:t>
             </a:fld>
             <a:endParaRPr lang="en-US" dirty="0"/>
           </a:p>
@@ -6024,7 +6036,7 @@
           <a:p>
             <a:fld id="{48A87A34-81AB-432B-8DAE-1953F412C126}" type="datetimeFigureOut">
               <a:rPr lang="en-US" smtClean="0"/>
-              <a:t>19-Nov-13</a:t>
+              <a:t>29-Nov-13</a:t>
             </a:fld>
             <a:endParaRPr lang="en-US" dirty="0"/>
           </a:p>
@@ -6279,7 +6291,7 @@
           <a:p>
             <a:fld id="{48A87A34-81AB-432B-8DAE-1953F412C126}" type="datetimeFigureOut">
               <a:rPr lang="en-US" smtClean="0"/>
-              <a:t>19-Nov-13</a:t>
+              <a:t>29-Nov-13</a:t>
             </a:fld>
             <a:endParaRPr lang="en-US" dirty="0"/>
           </a:p>
@@ -6542,7 +6554,7 @@
           <a:p>
             <a:fld id="{48A87A34-81AB-432B-8DAE-1953F412C126}" type="datetimeFigureOut">
               <a:rPr lang="en-US" smtClean="0"/>
-              <a:t>19-Nov-13</a:t>
+              <a:t>29-Nov-13</a:t>
             </a:fld>
             <a:endParaRPr lang="en-US" dirty="0"/>
           </a:p>
@@ -7286,7 +7298,7 @@
             <a:fld id="{48A87A34-81AB-432B-8DAE-1953F412C126}" type="datetimeFigureOut">
               <a:rPr lang="en-US" smtClean="0"/>
               <a:pPr/>
-              <a:t>19-Nov-13</a:t>
+              <a:t>29-Nov-13</a:t>
             </a:fld>
             <a:endParaRPr lang="en-US" dirty="0"/>
           </a:p>
@@ -8286,11 +8298,7 @@
           <a:p>
             <a:r>
               <a:rPr lang="en-US" dirty="0" smtClean="0"/>
-              <a:t>Camera </a:t>
-            </a:r>
-            <a:r>
-              <a:rPr lang="en-US" dirty="0" smtClean="0"/>
-              <a:t>Movement- various camera modes for perfect views</a:t>
+              <a:t>Camera Movement- various camera modes for perfect views</a:t>
             </a:r>
           </a:p>
           <a:p>
@@ -8338,26 +8346,17 @@
           <a:p>
             <a:r>
               <a:rPr lang="en-US" dirty="0" smtClean="0"/>
-              <a:t>Used </a:t>
-            </a:r>
-            <a:r>
-              <a:rPr lang="en-US" dirty="0" smtClean="0"/>
-              <a:t>Multi-Threading </a:t>
-            </a:r>
-            <a:r>
-              <a:rPr lang="en-US" dirty="0" smtClean="0"/>
+              <a:t>Used Multi-Threading </a:t>
+            </a:r>
+            <a:r>
+              <a:rPr lang="en-US" smtClean="0"/>
               <a:t>for </a:t>
             </a:r>
             <a:r>
-              <a:rPr lang="en-US" dirty="0" smtClean="0"/>
+              <a:rPr lang="en-US" smtClean="0"/>
               <a:t>performance</a:t>
             </a:r>
-          </a:p>
-          <a:p>
-            <a:r>
-              <a:rPr lang="en-US" dirty="0" smtClean="0"/>
-              <a:t>Environment Mapping</a:t>
-            </a:r>
+            <a:endParaRPr lang="en-US" dirty="0" smtClean="0"/>
           </a:p>
           <a:p>
             <a:endParaRPr lang="en-US" dirty="0" smtClean="0"/>
